--- a/R/スライド/第34回.pptx
+++ b/R/スライド/第34回.pptx
@@ -1808,7 +1808,7 @@
           <a:p>
             <a:fld id="{3C24FE8A-21AE-2440-99C1-79AAF1B005A3}" type="datetimeFigureOut">
               <a:rPr kumimoji="1" lang="ja-JP" altLang="en-US" smtClean="0"/>
-              <a:t>2023/9/21</a:t>
+              <a:t>2023/11/11</a:t>
             </a:fld>
             <a:endParaRPr kumimoji="1" lang="ja-JP" altLang="en-US"/>
           </a:p>
@@ -2038,7 +2038,7 @@
           <a:p>
             <a:fld id="{3C24FE8A-21AE-2440-99C1-79AAF1B005A3}" type="datetimeFigureOut">
               <a:rPr kumimoji="1" lang="ja-JP" altLang="en-US" smtClean="0"/>
-              <a:t>2023/9/21</a:t>
+              <a:t>2023/11/11</a:t>
             </a:fld>
             <a:endParaRPr kumimoji="1" lang="ja-JP" altLang="en-US"/>
           </a:p>
@@ -2278,7 +2278,7 @@
           <a:p>
             <a:fld id="{3C24FE8A-21AE-2440-99C1-79AAF1B005A3}" type="datetimeFigureOut">
               <a:rPr kumimoji="1" lang="ja-JP" altLang="en-US" smtClean="0"/>
-              <a:t>2023/9/21</a:t>
+              <a:t>2023/11/11</a:t>
             </a:fld>
             <a:endParaRPr kumimoji="1" lang="ja-JP" altLang="en-US"/>
           </a:p>
@@ -2508,7 +2508,7 @@
           <a:p>
             <a:fld id="{3C24FE8A-21AE-2440-99C1-79AAF1B005A3}" type="datetimeFigureOut">
               <a:rPr kumimoji="1" lang="ja-JP" altLang="en-US" smtClean="0"/>
-              <a:t>2023/9/21</a:t>
+              <a:t>2023/11/11</a:t>
             </a:fld>
             <a:endParaRPr kumimoji="1" lang="ja-JP" altLang="en-US"/>
           </a:p>
@@ -2783,7 +2783,7 @@
           <a:p>
             <a:fld id="{3C24FE8A-21AE-2440-99C1-79AAF1B005A3}" type="datetimeFigureOut">
               <a:rPr kumimoji="1" lang="ja-JP" altLang="en-US" smtClean="0"/>
-              <a:t>2023/9/21</a:t>
+              <a:t>2023/11/11</a:t>
             </a:fld>
             <a:endParaRPr kumimoji="1" lang="ja-JP" altLang="en-US"/>
           </a:p>
@@ -3112,7 +3112,7 @@
           <a:p>
             <a:fld id="{3C24FE8A-21AE-2440-99C1-79AAF1B005A3}" type="datetimeFigureOut">
               <a:rPr kumimoji="1" lang="ja-JP" altLang="en-US" smtClean="0"/>
-              <a:t>2023/9/21</a:t>
+              <a:t>2023/11/11</a:t>
             </a:fld>
             <a:endParaRPr kumimoji="1" lang="ja-JP" altLang="en-US"/>
           </a:p>
@@ -3588,7 +3588,7 @@
           <a:p>
             <a:fld id="{3C24FE8A-21AE-2440-99C1-79AAF1B005A3}" type="datetimeFigureOut">
               <a:rPr kumimoji="1" lang="ja-JP" altLang="en-US" smtClean="0"/>
-              <a:t>2023/9/21</a:t>
+              <a:t>2023/11/11</a:t>
             </a:fld>
             <a:endParaRPr kumimoji="1" lang="ja-JP" altLang="en-US"/>
           </a:p>
@@ -3729,7 +3729,7 @@
           <a:p>
             <a:fld id="{3C24FE8A-21AE-2440-99C1-79AAF1B005A3}" type="datetimeFigureOut">
               <a:rPr kumimoji="1" lang="ja-JP" altLang="en-US" smtClean="0"/>
-              <a:t>2023/9/21</a:t>
+              <a:t>2023/11/11</a:t>
             </a:fld>
             <a:endParaRPr kumimoji="1" lang="ja-JP" altLang="en-US"/>
           </a:p>
@@ -3842,7 +3842,7 @@
           <a:p>
             <a:fld id="{3C24FE8A-21AE-2440-99C1-79AAF1B005A3}" type="datetimeFigureOut">
               <a:rPr kumimoji="1" lang="ja-JP" altLang="en-US" smtClean="0"/>
-              <a:t>2023/9/21</a:t>
+              <a:t>2023/11/11</a:t>
             </a:fld>
             <a:endParaRPr kumimoji="1" lang="ja-JP" altLang="en-US"/>
           </a:p>
@@ -4185,7 +4185,7 @@
           <a:p>
             <a:fld id="{3C24FE8A-21AE-2440-99C1-79AAF1B005A3}" type="datetimeFigureOut">
               <a:rPr kumimoji="1" lang="ja-JP" altLang="en-US" smtClean="0"/>
-              <a:t>2023/9/21</a:t>
+              <a:t>2023/11/11</a:t>
             </a:fld>
             <a:endParaRPr kumimoji="1" lang="ja-JP" altLang="en-US"/>
           </a:p>
@@ -4473,7 +4473,7 @@
           <a:p>
             <a:fld id="{3C24FE8A-21AE-2440-99C1-79AAF1B005A3}" type="datetimeFigureOut">
               <a:rPr kumimoji="1" lang="ja-JP" altLang="en-US" smtClean="0"/>
-              <a:t>2023/9/21</a:t>
+              <a:t>2023/11/11</a:t>
             </a:fld>
             <a:endParaRPr kumimoji="1" lang="ja-JP" altLang="en-US"/>
           </a:p>
@@ -4746,7 +4746,7 @@
           <a:p>
             <a:fld id="{3C24FE8A-21AE-2440-99C1-79AAF1B005A3}" type="datetimeFigureOut">
               <a:rPr kumimoji="1" lang="ja-JP" altLang="en-US" smtClean="0"/>
-              <a:t>2023/9/21</a:t>
+              <a:t>2023/11/11</a:t>
             </a:fld>
             <a:endParaRPr kumimoji="1" lang="ja-JP" altLang="en-US"/>
           </a:p>
@@ -8260,7 +8260,23 @@
             </a:r>
             <a:r>
               <a:rPr lang="ja-JP" altLang="en-US"/>
-              <a:t>平均１、分散１に規格化</a:t>
+              <a:t>平均</a:t>
+            </a:r>
+            <a:r>
+              <a:rPr lang="en-US" altLang="ja-JP" dirty="0"/>
+              <a:t>0</a:t>
+            </a:r>
+            <a:r>
+              <a:rPr lang="ja-JP" altLang="en-US"/>
+              <a:t>、分散</a:t>
+            </a:r>
+            <a:r>
+              <a:rPr lang="en-US" altLang="ja-JP"/>
+              <a:t>1</a:t>
+            </a:r>
+            <a:r>
+              <a:rPr lang="ja-JP" altLang="en-US"/>
+              <a:t>に規格化</a:t>
             </a:r>
             <a:r>
               <a:rPr lang="en-US" altLang="ja-JP" dirty="0"/>
